--- a/img/103990363.pptx
+++ b/img/103990363.pptx
@@ -6,6 +6,7 @@
   </p:sldMasterIdLst>
   <p:sldIdLst>
     <p:sldId id="256" r:id="rId2"/>
+    <p:sldId id="257" r:id="rId3"/>
   </p:sldIdLst>
   <p:sldSz cx="12192000" cy="6858000"/>
   <p:notesSz cx="6858000" cy="9144000"/>
@@ -5058,6 +5059,648 @@
 </p:sld>
 </file>
 
+<file path=ppt/slides/slide2.xml><?xml version="1.0" encoding="utf-8"?>
+<p:sld xmlns:a="http://schemas.openxmlformats.org/drawingml/2006/main" xmlns:r="http://schemas.openxmlformats.org/officeDocument/2006/relationships" xmlns:p="http://schemas.openxmlformats.org/presentationml/2006/main">
+  <p:cSld>
+    <p:spTree>
+      <p:nvGrpSpPr>
+        <p:cNvPr id="1" name=""/>
+        <p:cNvGrpSpPr/>
+        <p:nvPr/>
+      </p:nvGrpSpPr>
+      <p:grpSpPr>
+        <a:xfrm>
+          <a:off x="0" y="0"/>
+          <a:ext cx="0" cy="0"/>
+          <a:chOff x="0" y="0"/>
+          <a:chExt cx="0" cy="0"/>
+        </a:xfrm>
+      </p:grpSpPr>
+      <p:pic>
+        <p:nvPicPr>
+          <p:cNvPr id="3" name="图片 2">
+            <a:extLst>
+              <a:ext uri="{FF2B5EF4-FFF2-40B4-BE49-F238E27FC236}">
+                <a16:creationId xmlns:a16="http://schemas.microsoft.com/office/drawing/2014/main" id="{151CB694-DF6F-4E2A-835A-0EB7BCCED5CC}"/>
+              </a:ext>
+            </a:extLst>
+          </p:cNvPr>
+          <p:cNvPicPr>
+            <a:picLocks noChangeAspect="1"/>
+          </p:cNvPicPr>
+          <p:nvPr/>
+        </p:nvPicPr>
+        <p:blipFill>
+          <a:blip r:embed="rId2">
+            <a:extLst>
+              <a:ext uri="{28A0092B-C50C-407E-A947-70E740481C1C}">
+                <a14:useLocalDpi xmlns:a14="http://schemas.microsoft.com/office/drawing/2010/main" val="0"/>
+              </a:ext>
+            </a:extLst>
+          </a:blip>
+          <a:stretch>
+            <a:fillRect/>
+          </a:stretch>
+        </p:blipFill>
+        <p:spPr>
+          <a:xfrm>
+            <a:off x="3517162" y="1465902"/>
+            <a:ext cx="4193308" cy="3144980"/>
+          </a:xfrm>
+          <a:prstGeom prst="rect">
+            <a:avLst/>
+          </a:prstGeom>
+        </p:spPr>
+      </p:pic>
+      <p:sp>
+        <p:nvSpPr>
+          <p:cNvPr id="6" name="梯形 5">
+            <a:extLst>
+              <a:ext uri="{FF2B5EF4-FFF2-40B4-BE49-F238E27FC236}">
+                <a16:creationId xmlns:a16="http://schemas.microsoft.com/office/drawing/2014/main" id="{A05E359B-86E6-43C2-B96F-3BFCF969FD96}"/>
+              </a:ext>
+            </a:extLst>
+          </p:cNvPr>
+          <p:cNvSpPr/>
+          <p:nvPr/>
+        </p:nvSpPr>
+        <p:spPr>
+          <a:xfrm rot="5400000">
+            <a:off x="812078" y="2361191"/>
+            <a:ext cx="2425702" cy="1303192"/>
+          </a:xfrm>
+          <a:prstGeom prst="trapezoid">
+            <a:avLst/>
+          </a:prstGeom>
+        </p:spPr>
+        <p:style>
+          <a:lnRef idx="3">
+            <a:schemeClr val="lt1"/>
+          </a:lnRef>
+          <a:fillRef idx="1">
+            <a:schemeClr val="accent3"/>
+          </a:fillRef>
+          <a:effectRef idx="1">
+            <a:schemeClr val="accent3"/>
+          </a:effectRef>
+          <a:fontRef idx="minor">
+            <a:schemeClr val="lt1"/>
+          </a:fontRef>
+        </p:style>
+        <p:txBody>
+          <a:bodyPr vert="vert270" rtlCol="0" anchor="ctr" anchorCtr="0"/>
+          <a:lstStyle/>
+          <a:p>
+            <a:pPr algn="ctr"/>
+            <a:endParaRPr lang="en-US">
+              <a:solidFill>
+                <a:schemeClr val="bg1">
+                  <a:lumMod val="85000"/>
+                </a:schemeClr>
+              </a:solidFill>
+            </a:endParaRPr>
+          </a:p>
+        </p:txBody>
+      </p:sp>
+      <p:cxnSp>
+        <p:nvCxnSpPr>
+          <p:cNvPr id="8" name="直接连接符 7">
+            <a:extLst>
+              <a:ext uri="{FF2B5EF4-FFF2-40B4-BE49-F238E27FC236}">
+                <a16:creationId xmlns:a16="http://schemas.microsoft.com/office/drawing/2014/main" id="{A4DF5A98-6260-4E24-904E-CFFFA123078F}"/>
+              </a:ext>
+            </a:extLst>
+          </p:cNvPr>
+          <p:cNvCxnSpPr>
+            <a:cxnSpLocks/>
+          </p:cNvCxnSpPr>
+          <p:nvPr/>
+        </p:nvCxnSpPr>
+        <p:spPr>
+          <a:xfrm flipH="1">
+            <a:off x="2574153" y="3353378"/>
+            <a:ext cx="1670187" cy="0"/>
+          </a:xfrm>
+          <a:prstGeom prst="line">
+            <a:avLst/>
+          </a:prstGeom>
+          <a:ln w="25400">
+            <a:solidFill>
+              <a:schemeClr val="tx1"/>
+            </a:solidFill>
+          </a:ln>
+        </p:spPr>
+        <p:style>
+          <a:lnRef idx="1">
+            <a:schemeClr val="accent1"/>
+          </a:lnRef>
+          <a:fillRef idx="0">
+            <a:schemeClr val="accent1"/>
+          </a:fillRef>
+          <a:effectRef idx="0">
+            <a:schemeClr val="accent1"/>
+          </a:effectRef>
+          <a:fontRef idx="minor">
+            <a:schemeClr val="tx1"/>
+          </a:fontRef>
+        </p:style>
+      </p:cxnSp>
+      <p:cxnSp>
+        <p:nvCxnSpPr>
+          <p:cNvPr id="10" name="直接连接符 9">
+            <a:extLst>
+              <a:ext uri="{FF2B5EF4-FFF2-40B4-BE49-F238E27FC236}">
+                <a16:creationId xmlns:a16="http://schemas.microsoft.com/office/drawing/2014/main" id="{D41E64F5-EE30-409F-9A2D-CE36B952B6F2}"/>
+              </a:ext>
+            </a:extLst>
+          </p:cNvPr>
+          <p:cNvCxnSpPr>
+            <a:cxnSpLocks/>
+          </p:cNvCxnSpPr>
+          <p:nvPr/>
+        </p:nvCxnSpPr>
+        <p:spPr>
+          <a:xfrm flipH="1">
+            <a:off x="2564918" y="3149453"/>
+            <a:ext cx="1679422" cy="0"/>
+          </a:xfrm>
+          <a:prstGeom prst="line">
+            <a:avLst/>
+          </a:prstGeom>
+          <a:ln w="25400">
+            <a:solidFill>
+              <a:srgbClr val="FF0000"/>
+            </a:solidFill>
+          </a:ln>
+        </p:spPr>
+        <p:style>
+          <a:lnRef idx="1">
+            <a:schemeClr val="accent1"/>
+          </a:lnRef>
+          <a:fillRef idx="0">
+            <a:schemeClr val="accent1"/>
+          </a:fillRef>
+          <a:effectRef idx="0">
+            <a:schemeClr val="accent1"/>
+          </a:effectRef>
+          <a:fontRef idx="minor">
+            <a:schemeClr val="tx1"/>
+          </a:fontRef>
+        </p:style>
+      </p:cxnSp>
+      <p:cxnSp>
+        <p:nvCxnSpPr>
+          <p:cNvPr id="11" name="直接连接符 10">
+            <a:extLst>
+              <a:ext uri="{FF2B5EF4-FFF2-40B4-BE49-F238E27FC236}">
+                <a16:creationId xmlns:a16="http://schemas.microsoft.com/office/drawing/2014/main" id="{17F036D4-8139-4527-B350-14A0B48E030E}"/>
+              </a:ext>
+            </a:extLst>
+          </p:cNvPr>
+          <p:cNvCxnSpPr>
+            <a:cxnSpLocks/>
+          </p:cNvCxnSpPr>
+          <p:nvPr/>
+        </p:nvCxnSpPr>
+        <p:spPr>
+          <a:xfrm flipH="1">
+            <a:off x="2597130" y="2751811"/>
+            <a:ext cx="1647210" cy="2645"/>
+          </a:xfrm>
+          <a:prstGeom prst="line">
+            <a:avLst/>
+          </a:prstGeom>
+          <a:ln w="25400">
+            <a:solidFill>
+              <a:schemeClr val="accent2"/>
+            </a:solidFill>
+          </a:ln>
+        </p:spPr>
+        <p:style>
+          <a:lnRef idx="1">
+            <a:schemeClr val="accent1"/>
+          </a:lnRef>
+          <a:fillRef idx="0">
+            <a:schemeClr val="accent1"/>
+          </a:fillRef>
+          <a:effectRef idx="0">
+            <a:schemeClr val="accent1"/>
+          </a:effectRef>
+          <a:fontRef idx="minor">
+            <a:schemeClr val="tx1"/>
+          </a:fontRef>
+        </p:style>
+      </p:cxnSp>
+      <p:cxnSp>
+        <p:nvCxnSpPr>
+          <p:cNvPr id="12" name="直接连接符 11">
+            <a:extLst>
+              <a:ext uri="{FF2B5EF4-FFF2-40B4-BE49-F238E27FC236}">
+                <a16:creationId xmlns:a16="http://schemas.microsoft.com/office/drawing/2014/main" id="{EF6C7948-2161-498D-B1B6-8ECEC77737F0}"/>
+              </a:ext>
+            </a:extLst>
+          </p:cNvPr>
+          <p:cNvCxnSpPr>
+            <a:cxnSpLocks/>
+          </p:cNvCxnSpPr>
+          <p:nvPr/>
+        </p:nvCxnSpPr>
+        <p:spPr>
+          <a:xfrm flipH="1">
+            <a:off x="2597130" y="2937428"/>
+            <a:ext cx="1647210" cy="0"/>
+          </a:xfrm>
+          <a:prstGeom prst="line">
+            <a:avLst/>
+          </a:prstGeom>
+          <a:ln w="25400">
+            <a:solidFill>
+              <a:schemeClr val="accent5"/>
+            </a:solidFill>
+          </a:ln>
+        </p:spPr>
+        <p:style>
+          <a:lnRef idx="1">
+            <a:schemeClr val="accent1"/>
+          </a:lnRef>
+          <a:fillRef idx="0">
+            <a:schemeClr val="accent1"/>
+          </a:fillRef>
+          <a:effectRef idx="0">
+            <a:schemeClr val="accent1"/>
+          </a:effectRef>
+          <a:fontRef idx="minor">
+            <a:schemeClr val="tx1"/>
+          </a:fontRef>
+        </p:style>
+      </p:cxnSp>
+      <p:sp>
+        <p:nvSpPr>
+          <p:cNvPr id="13" name="文本框 12">
+            <a:extLst>
+              <a:ext uri="{FF2B5EF4-FFF2-40B4-BE49-F238E27FC236}">
+                <a16:creationId xmlns:a16="http://schemas.microsoft.com/office/drawing/2014/main" id="{4DD153C4-FD7F-4B99-B4F1-D01B64A122FE}"/>
+              </a:ext>
+            </a:extLst>
+          </p:cNvPr>
+          <p:cNvSpPr txBox="1"/>
+          <p:nvPr/>
+        </p:nvSpPr>
+        <p:spPr>
+          <a:xfrm>
+            <a:off x="2080247" y="3207589"/>
+            <a:ext cx="583814" cy="307777"/>
+          </a:xfrm>
+          <a:prstGeom prst="rect">
+            <a:avLst/>
+          </a:prstGeom>
+          <a:noFill/>
+        </p:spPr>
+        <p:txBody>
+          <a:bodyPr wrap="none" rtlCol="0">
+            <a:spAutoFit/>
+          </a:bodyPr>
+          <a:lstStyle/>
+          <a:p>
+            <a:r>
+              <a:rPr lang="en-US" sz="1400"/>
+              <a:t>GND</a:t>
+            </a:r>
+          </a:p>
+        </p:txBody>
+      </p:sp>
+      <p:sp>
+        <p:nvSpPr>
+          <p:cNvPr id="15" name="文本框 14">
+            <a:extLst>
+              <a:ext uri="{FF2B5EF4-FFF2-40B4-BE49-F238E27FC236}">
+                <a16:creationId xmlns:a16="http://schemas.microsoft.com/office/drawing/2014/main" id="{1084F4F4-DC50-47FA-AEE0-433935EF17D7}"/>
+              </a:ext>
+            </a:extLst>
+          </p:cNvPr>
+          <p:cNvSpPr txBox="1"/>
+          <p:nvPr/>
+        </p:nvSpPr>
+        <p:spPr>
+          <a:xfrm>
+            <a:off x="2089865" y="3002378"/>
+            <a:ext cx="564578" cy="307777"/>
+          </a:xfrm>
+          <a:prstGeom prst="rect">
+            <a:avLst/>
+          </a:prstGeom>
+          <a:noFill/>
+        </p:spPr>
+        <p:txBody>
+          <a:bodyPr wrap="none" rtlCol="0">
+            <a:spAutoFit/>
+          </a:bodyPr>
+          <a:lstStyle/>
+          <a:p>
+            <a:r>
+              <a:rPr lang="en-US" sz="1400">
+                <a:solidFill>
+                  <a:srgbClr val="FF0000"/>
+                </a:solidFill>
+              </a:rPr>
+              <a:t>VCC</a:t>
+            </a:r>
+          </a:p>
+        </p:txBody>
+      </p:sp>
+      <p:sp>
+        <p:nvSpPr>
+          <p:cNvPr id="16" name="文本框 15">
+            <a:extLst>
+              <a:ext uri="{FF2B5EF4-FFF2-40B4-BE49-F238E27FC236}">
+                <a16:creationId xmlns:a16="http://schemas.microsoft.com/office/drawing/2014/main" id="{C3CAC049-AEB9-4C28-B6AE-CD901F751D3E}"/>
+              </a:ext>
+            </a:extLst>
+          </p:cNvPr>
+          <p:cNvSpPr txBox="1"/>
+          <p:nvPr/>
+        </p:nvSpPr>
+        <p:spPr>
+          <a:xfrm>
+            <a:off x="2262629" y="2597923"/>
+            <a:ext cx="413896" cy="307777"/>
+          </a:xfrm>
+          <a:prstGeom prst="rect">
+            <a:avLst/>
+          </a:prstGeom>
+          <a:noFill/>
+        </p:spPr>
+        <p:txBody>
+          <a:bodyPr wrap="none" rtlCol="0">
+            <a:spAutoFit/>
+          </a:bodyPr>
+          <a:lstStyle/>
+          <a:p>
+            <a:r>
+              <a:rPr lang="en-US" sz="1400">
+                <a:solidFill>
+                  <a:schemeClr val="bg1"/>
+                </a:solidFill>
+              </a:rPr>
+              <a:t>TX</a:t>
+            </a:r>
+          </a:p>
+        </p:txBody>
+      </p:sp>
+      <p:sp>
+        <p:nvSpPr>
+          <p:cNvPr id="17" name="文本框 16">
+            <a:extLst>
+              <a:ext uri="{FF2B5EF4-FFF2-40B4-BE49-F238E27FC236}">
+                <a16:creationId xmlns:a16="http://schemas.microsoft.com/office/drawing/2014/main" id="{FB6FAAEE-DBD5-429C-8F7C-229A278DE3DC}"/>
+              </a:ext>
+            </a:extLst>
+          </p:cNvPr>
+          <p:cNvSpPr txBox="1"/>
+          <p:nvPr/>
+        </p:nvSpPr>
+        <p:spPr>
+          <a:xfrm>
+            <a:off x="2252210" y="2801173"/>
+            <a:ext cx="434734" cy="307777"/>
+          </a:xfrm>
+          <a:prstGeom prst="rect">
+            <a:avLst/>
+          </a:prstGeom>
+          <a:noFill/>
+        </p:spPr>
+        <p:txBody>
+          <a:bodyPr wrap="none" rtlCol="0">
+            <a:spAutoFit/>
+          </a:bodyPr>
+          <a:lstStyle/>
+          <a:p>
+            <a:r>
+              <a:rPr lang="en-US" sz="1400">
+                <a:solidFill>
+                  <a:schemeClr val="bg1"/>
+                </a:solidFill>
+              </a:rPr>
+              <a:t>RX</a:t>
+            </a:r>
+          </a:p>
+        </p:txBody>
+      </p:sp>
+      <p:sp>
+        <p:nvSpPr>
+          <p:cNvPr id="18" name="文本框 17">
+            <a:extLst>
+              <a:ext uri="{FF2B5EF4-FFF2-40B4-BE49-F238E27FC236}">
+                <a16:creationId xmlns:a16="http://schemas.microsoft.com/office/drawing/2014/main" id="{B9D5E0F5-333A-4451-AE28-E00BE368C5F5}"/>
+              </a:ext>
+            </a:extLst>
+          </p:cNvPr>
+          <p:cNvSpPr txBox="1"/>
+          <p:nvPr/>
+        </p:nvSpPr>
+        <p:spPr>
+          <a:xfrm>
+            <a:off x="1373333" y="1467336"/>
+            <a:ext cx="1223797" cy="338554"/>
+          </a:xfrm>
+          <a:prstGeom prst="rect">
+            <a:avLst/>
+          </a:prstGeom>
+          <a:noFill/>
+        </p:spPr>
+        <p:txBody>
+          <a:bodyPr wrap="none" rtlCol="0">
+            <a:spAutoFit/>
+          </a:bodyPr>
+          <a:lstStyle/>
+          <a:p>
+            <a:r>
+              <a:rPr lang="en-US" sz="1600">
+                <a:solidFill>
+                  <a:schemeClr val="bg1">
+                    <a:lumMod val="65000"/>
+                  </a:schemeClr>
+                </a:solidFill>
+              </a:rPr>
+              <a:t>TTL Device</a:t>
+            </a:r>
+          </a:p>
+        </p:txBody>
+      </p:sp>
+      <p:sp>
+        <p:nvSpPr>
+          <p:cNvPr id="19" name="箭头: 右 18">
+            <a:extLst>
+              <a:ext uri="{FF2B5EF4-FFF2-40B4-BE49-F238E27FC236}">
+                <a16:creationId xmlns:a16="http://schemas.microsoft.com/office/drawing/2014/main" id="{B757B7F8-72FE-4AF6-AF94-CA54F462D6BA}"/>
+              </a:ext>
+            </a:extLst>
+          </p:cNvPr>
+          <p:cNvSpPr/>
+          <p:nvPr/>
+        </p:nvSpPr>
+        <p:spPr>
+          <a:xfrm>
+            <a:off x="7135147" y="2818971"/>
+            <a:ext cx="955388" cy="330482"/>
+          </a:xfrm>
+          <a:prstGeom prst="rightArrow">
+            <a:avLst/>
+          </a:prstGeom>
+          <a:solidFill>
+            <a:schemeClr val="accent6">
+              <a:lumMod val="60000"/>
+              <a:lumOff val="40000"/>
+            </a:schemeClr>
+          </a:solidFill>
+          <a:ln>
+            <a:solidFill>
+              <a:schemeClr val="bg1">
+                <a:lumMod val="65000"/>
+              </a:schemeClr>
+            </a:solidFill>
+          </a:ln>
+        </p:spPr>
+        <p:style>
+          <a:lnRef idx="2">
+            <a:schemeClr val="accent1">
+              <a:shade val="50000"/>
+            </a:schemeClr>
+          </a:lnRef>
+          <a:fillRef idx="1">
+            <a:schemeClr val="accent1"/>
+          </a:fillRef>
+          <a:effectRef idx="0">
+            <a:schemeClr val="accent1"/>
+          </a:effectRef>
+          <a:fontRef idx="minor">
+            <a:schemeClr val="lt1"/>
+          </a:fontRef>
+        </p:style>
+        <p:txBody>
+          <a:bodyPr rtlCol="0" anchor="ctr"/>
+          <a:lstStyle/>
+          <a:p>
+            <a:pPr algn="ctr"/>
+            <a:endParaRPr lang="en-US"/>
+          </a:p>
+        </p:txBody>
+      </p:sp>
+      <p:sp>
+        <p:nvSpPr>
+          <p:cNvPr id="20" name="梯形 19">
+            <a:extLst>
+              <a:ext uri="{FF2B5EF4-FFF2-40B4-BE49-F238E27FC236}">
+                <a16:creationId xmlns:a16="http://schemas.microsoft.com/office/drawing/2014/main" id="{59749934-D925-46BB-AC74-BC4B3CB36206}"/>
+              </a:ext>
+            </a:extLst>
+          </p:cNvPr>
+          <p:cNvSpPr/>
+          <p:nvPr/>
+        </p:nvSpPr>
+        <p:spPr>
+          <a:xfrm rot="16200000">
+            <a:off x="7695287" y="2330385"/>
+            <a:ext cx="2253788" cy="1255651"/>
+          </a:xfrm>
+          <a:prstGeom prst="trapezoid">
+            <a:avLst/>
+          </a:prstGeom>
+          <a:solidFill>
+            <a:schemeClr val="accent6">
+              <a:lumMod val="60000"/>
+              <a:lumOff val="40000"/>
+            </a:schemeClr>
+          </a:solidFill>
+          <a:ln>
+            <a:solidFill>
+              <a:schemeClr val="accent6">
+                <a:lumMod val="40000"/>
+                <a:lumOff val="60000"/>
+              </a:schemeClr>
+            </a:solidFill>
+          </a:ln>
+        </p:spPr>
+        <p:style>
+          <a:lnRef idx="2">
+            <a:schemeClr val="accent1">
+              <a:shade val="50000"/>
+            </a:schemeClr>
+          </a:lnRef>
+          <a:fillRef idx="1">
+            <a:schemeClr val="accent1"/>
+          </a:fillRef>
+          <a:effectRef idx="0">
+            <a:schemeClr val="accent1"/>
+          </a:effectRef>
+          <a:fontRef idx="minor">
+            <a:schemeClr val="lt1"/>
+          </a:fontRef>
+        </p:style>
+        <p:txBody>
+          <a:bodyPr rtlCol="0" anchor="ctr"/>
+          <a:lstStyle/>
+          <a:p>
+            <a:pPr algn="ctr"/>
+            <a:endParaRPr lang="en-US"/>
+          </a:p>
+        </p:txBody>
+      </p:sp>
+      <p:sp>
+        <p:nvSpPr>
+          <p:cNvPr id="21" name="文本框 20">
+            <a:extLst>
+              <a:ext uri="{FF2B5EF4-FFF2-40B4-BE49-F238E27FC236}">
+                <a16:creationId xmlns:a16="http://schemas.microsoft.com/office/drawing/2014/main" id="{7E04181D-9339-4600-9CC5-66D203150549}"/>
+              </a:ext>
+            </a:extLst>
+          </p:cNvPr>
+          <p:cNvSpPr txBox="1"/>
+          <p:nvPr/>
+        </p:nvSpPr>
+        <p:spPr>
+          <a:xfrm>
+            <a:off x="8075823" y="1488762"/>
+            <a:ext cx="1492716" cy="338554"/>
+          </a:xfrm>
+          <a:prstGeom prst="rect">
+            <a:avLst/>
+          </a:prstGeom>
+          <a:noFill/>
+        </p:spPr>
+        <p:txBody>
+          <a:bodyPr wrap="none" rtlCol="0">
+            <a:spAutoFit/>
+          </a:bodyPr>
+          <a:lstStyle/>
+          <a:p>
+            <a:r>
+              <a:rPr lang="en-US" sz="1600">
+                <a:solidFill>
+                  <a:schemeClr val="accent6">
+                    <a:lumMod val="40000"/>
+                    <a:lumOff val="60000"/>
+                  </a:schemeClr>
+                </a:solidFill>
+              </a:rPr>
+              <a:t>RS232 Device</a:t>
+            </a:r>
+          </a:p>
+        </p:txBody>
+      </p:sp>
+    </p:spTree>
+    <p:extLst>
+      <p:ext uri="{BB962C8B-B14F-4D97-AF65-F5344CB8AC3E}">
+        <p14:creationId xmlns:p14="http://schemas.microsoft.com/office/powerpoint/2010/main" val="3611514019"/>
+      </p:ext>
+    </p:extLst>
+  </p:cSld>
+  <p:clrMapOvr>
+    <a:masterClrMapping/>
+  </p:clrMapOvr>
+</p:sld>
+</file>
+
 <file path=ppt/theme/theme1.xml><?xml version="1.0" encoding="utf-8"?>
 <a:theme xmlns:a="http://schemas.openxmlformats.org/drawingml/2006/main" name="Office 主题​​">
   <a:themeElements>
